--- a/Week2_PCDA2018.pptx
+++ b/Week2_PCDA2018.pptx
@@ -5,7 +5,7 @@
     <p:sldMasterId id="2147483648" r:id="rId1"/>
   </p:sldMasterIdLst>
   <p:notesMasterIdLst>
-    <p:notesMasterId r:id="rId21"/>
+    <p:notesMasterId r:id="rId17"/>
   </p:notesMasterIdLst>
   <p:sldIdLst>
     <p:sldId id="256" r:id="rId2"/>
@@ -23,10 +23,6 @@
     <p:sldId id="271" r:id="rId14"/>
     <p:sldId id="276" r:id="rId15"/>
     <p:sldId id="277" r:id="rId16"/>
-    <p:sldId id="270" r:id="rId17"/>
-    <p:sldId id="269" r:id="rId18"/>
-    <p:sldId id="274" r:id="rId19"/>
-    <p:sldId id="275" r:id="rId20"/>
   </p:sldIdLst>
   <p:sldSz cx="9144000" cy="6858000" type="screen4x3"/>
   <p:notesSz cx="6858000" cy="9144000"/>
@@ -125,6 +121,22 @@
       </a:defRPr>
     </a:lvl9pPr>
   </p:defaultTextStyle>
+  <p:extLst>
+    <p:ext uri="{EFAFB233-063F-42B5-8137-9DF3F51BA10A}">
+      <p15:sldGuideLst xmlns:p15="http://schemas.microsoft.com/office/powerpoint/2012/main">
+        <p15:guide id="1" orient="horz" pos="2160">
+          <p15:clr>
+            <a:srgbClr val="A4A3A4"/>
+          </p15:clr>
+        </p15:guide>
+        <p15:guide id="2" pos="2880">
+          <p15:clr>
+            <a:srgbClr val="A4A3A4"/>
+          </p15:clr>
+        </p15:guide>
+      </p15:sldGuideLst>
+    </p:ext>
+  </p:extLst>
 </p:presentation>
 </file>
 
@@ -210,7 +222,7 @@
           <a:p>
             <a:fld id="{B0CA7131-0CF9-2244-8BB0-378A11BCBDB1}" type="datetimeFigureOut">
               <a:rPr lang="en-US" smtClean="0"/>
-              <a:t>9/18/17</a:t>
+              <a:t>1/25/2018</a:t>
             </a:fld>
             <a:endParaRPr lang="en-US"/>
           </a:p>
@@ -747,7 +759,7 @@
           <a:p>
             <a:fld id="{E48202DF-DE48-9949-AD25-CC8EC39A71C2}" type="datetimeFigureOut">
               <a:rPr lang="en-US" smtClean="0"/>
-              <a:t>9/15/17</a:t>
+              <a:t>1/25/2018</a:t>
             </a:fld>
             <a:endParaRPr lang="en-US"/>
           </a:p>
@@ -917,7 +929,7 @@
           <a:p>
             <a:fld id="{E48202DF-DE48-9949-AD25-CC8EC39A71C2}" type="datetimeFigureOut">
               <a:rPr lang="en-US" smtClean="0"/>
-              <a:t>9/15/17</a:t>
+              <a:t>1/25/2018</a:t>
             </a:fld>
             <a:endParaRPr lang="en-US"/>
           </a:p>
@@ -1097,7 +1109,7 @@
           <a:p>
             <a:fld id="{E48202DF-DE48-9949-AD25-CC8EC39A71C2}" type="datetimeFigureOut">
               <a:rPr lang="en-US" smtClean="0"/>
-              <a:t>9/15/17</a:t>
+              <a:t>1/25/2018</a:t>
             </a:fld>
             <a:endParaRPr lang="en-US"/>
           </a:p>
@@ -1267,7 +1279,7 @@
           <a:p>
             <a:fld id="{E48202DF-DE48-9949-AD25-CC8EC39A71C2}" type="datetimeFigureOut">
               <a:rPr lang="en-US" smtClean="0"/>
-              <a:t>9/15/17</a:t>
+              <a:t>1/25/2018</a:t>
             </a:fld>
             <a:endParaRPr lang="en-US"/>
           </a:p>
@@ -1513,7 +1525,7 @@
           <a:p>
             <a:fld id="{E48202DF-DE48-9949-AD25-CC8EC39A71C2}" type="datetimeFigureOut">
               <a:rPr lang="en-US" smtClean="0"/>
-              <a:t>9/15/17</a:t>
+              <a:t>1/25/2018</a:t>
             </a:fld>
             <a:endParaRPr lang="en-US"/>
           </a:p>
@@ -1801,7 +1813,7 @@
           <a:p>
             <a:fld id="{E48202DF-DE48-9949-AD25-CC8EC39A71C2}" type="datetimeFigureOut">
               <a:rPr lang="en-US" smtClean="0"/>
-              <a:t>9/15/17</a:t>
+              <a:t>1/25/2018</a:t>
             </a:fld>
             <a:endParaRPr lang="en-US"/>
           </a:p>
@@ -2223,7 +2235,7 @@
           <a:p>
             <a:fld id="{E48202DF-DE48-9949-AD25-CC8EC39A71C2}" type="datetimeFigureOut">
               <a:rPr lang="en-US" smtClean="0"/>
-              <a:t>9/15/17</a:t>
+              <a:t>1/25/2018</a:t>
             </a:fld>
             <a:endParaRPr lang="en-US"/>
           </a:p>
@@ -2341,7 +2353,7 @@
           <a:p>
             <a:fld id="{E48202DF-DE48-9949-AD25-CC8EC39A71C2}" type="datetimeFigureOut">
               <a:rPr lang="en-US" smtClean="0"/>
-              <a:t>9/15/17</a:t>
+              <a:t>1/25/2018</a:t>
             </a:fld>
             <a:endParaRPr lang="en-US"/>
           </a:p>
@@ -2436,7 +2448,7 @@
           <a:p>
             <a:fld id="{E48202DF-DE48-9949-AD25-CC8EC39A71C2}" type="datetimeFigureOut">
               <a:rPr lang="en-US" smtClean="0"/>
-              <a:t>9/15/17</a:t>
+              <a:t>1/25/2018</a:t>
             </a:fld>
             <a:endParaRPr lang="en-US"/>
           </a:p>
@@ -2713,7 +2725,7 @@
           <a:p>
             <a:fld id="{E48202DF-DE48-9949-AD25-CC8EC39A71C2}" type="datetimeFigureOut">
               <a:rPr lang="en-US" smtClean="0"/>
-              <a:t>9/15/17</a:t>
+              <a:t>1/25/2018</a:t>
             </a:fld>
             <a:endParaRPr lang="en-US"/>
           </a:p>
@@ -2966,7 +2978,7 @@
           <a:p>
             <a:fld id="{E48202DF-DE48-9949-AD25-CC8EC39A71C2}" type="datetimeFigureOut">
               <a:rPr lang="en-US" smtClean="0"/>
-              <a:t>9/15/17</a:t>
+              <a:t>1/25/2018</a:t>
             </a:fld>
             <a:endParaRPr lang="en-US"/>
           </a:p>
@@ -3179,7 +3191,7 @@
           <a:p>
             <a:fld id="{E48202DF-DE48-9949-AD25-CC8EC39A71C2}" type="datetimeFigureOut">
               <a:rPr lang="en-US" smtClean="0"/>
-              <a:t>9/15/17</a:t>
+              <a:t>1/25/2018</a:t>
             </a:fld>
             <a:endParaRPr lang="en-US"/>
           </a:p>
@@ -3571,7 +3583,7 @@
           <a:p>
             <a:r>
               <a:rPr lang="en-US" dirty="0" smtClean="0"/>
-              <a:t>The Operating System (OS) in Context</a:t>
+              <a:t>Programming for Cultural Data Analysis</a:t>
             </a:r>
             <a:endParaRPr lang="en-US" dirty="0"/>
           </a:p>
@@ -3594,26 +3606,13 @@
           <a:p>
             <a:r>
               <a:rPr lang="en-US" dirty="0" smtClean="0"/>
-              <a:t>Week </a:t>
-            </a:r>
+              <a:t>Week 2</a:t>
+            </a:r>
+          </a:p>
+          <a:p>
             <a:r>
               <a:rPr lang="en-US" dirty="0" smtClean="0"/>
-              <a:t>2</a:t>
-            </a:r>
-            <a:endParaRPr lang="en-US" dirty="0" smtClean="0"/>
-          </a:p>
-          <a:p>
-            <a:r>
-              <a:rPr lang="en-US" dirty="0" smtClean="0"/>
-              <a:t>September </a:t>
-            </a:r>
-            <a:r>
-              <a:rPr lang="en-US" dirty="0" smtClean="0"/>
-              <a:t>18, </a:t>
-            </a:r>
-            <a:r>
-              <a:rPr lang="en-US" dirty="0" smtClean="0"/>
-              <a:t>2017</a:t>
+              <a:t>January 25, 2018</a:t>
             </a:r>
             <a:endParaRPr lang="en-US" dirty="0"/>
           </a:p>
@@ -3632,7 +3631,7 @@
   <p:timing>
     <p:tnLst>
       <p:par>
-        <p:cTn xmlns:p14="http://schemas.microsoft.com/office/powerpoint/2010/main" id="1" dur="indefinite" restart="never" nodeType="tmRoot"/>
+        <p:cTn id="1" dur="indefinite" restart="never" nodeType="tmRoot"/>
       </p:par>
     </p:tnLst>
   </p:timing>
@@ -3765,7 +3764,7 @@
   <p:timing>
     <p:tnLst>
       <p:par>
-        <p:cTn xmlns:p14="http://schemas.microsoft.com/office/powerpoint/2010/main" id="1" dur="indefinite" restart="never" nodeType="tmRoot">
+        <p:cTn id="1" dur="indefinite" restart="never" nodeType="tmRoot">
           <p:childTnLst>
             <p:seq concurrent="1" nextAc="seek">
               <p:cTn id="2" dur="indefinite" nodeType="mainSeq">
@@ -4021,7 +4020,7 @@
   <p:timing>
     <p:tnLst>
       <p:par>
-        <p:cTn xmlns:p14="http://schemas.microsoft.com/office/powerpoint/2010/main" id="1" dur="indefinite" restart="never" nodeType="tmRoot">
+        <p:cTn id="1" dur="indefinite" restart="never" nodeType="tmRoot">
           <p:childTnLst>
             <p:seq concurrent="1" nextAc="seek">
               <p:cTn id="2" dur="indefinite" nodeType="mainSeq">
@@ -4363,7 +4362,7 @@
   <p:timing>
     <p:tnLst>
       <p:par>
-        <p:cTn xmlns:p14="http://schemas.microsoft.com/office/powerpoint/2010/main" id="1" dur="indefinite" restart="never" nodeType="tmRoot">
+        <p:cTn id="1" dur="indefinite" restart="never" nodeType="tmRoot">
           <p:childTnLst>
             <p:seq concurrent="1" nextAc="seek">
               <p:cTn id="2" dur="indefinite" nodeType="mainSeq">
@@ -4620,7 +4619,7 @@
   <p:timing>
     <p:tnLst>
       <p:par>
-        <p:cTn xmlns:p14="http://schemas.microsoft.com/office/powerpoint/2010/main" id="1" dur="indefinite" restart="never" nodeType="tmRoot"/>
+        <p:cTn id="1" dur="indefinite" restart="never" nodeType="tmRoot"/>
       </p:par>
     </p:tnLst>
   </p:timing>
@@ -4712,7 +4711,7 @@
   <p:timing>
     <p:tnLst>
       <p:par>
-        <p:cTn xmlns:p14="http://schemas.microsoft.com/office/powerpoint/2010/main" id="1" dur="indefinite" restart="never" nodeType="tmRoot"/>
+        <p:cTn id="1" dur="indefinite" restart="never" nodeType="tmRoot"/>
       </p:par>
     </p:tnLst>
   </p:timing>
@@ -4811,402 +4810,7 @@
   <p:timing>
     <p:tnLst>
       <p:par>
-        <p:cTn xmlns:p14="http://schemas.microsoft.com/office/powerpoint/2010/main" id="1" dur="indefinite" restart="never" nodeType="tmRoot"/>
-      </p:par>
-    </p:tnLst>
-  </p:timing>
-</p:sld>
-</file>
-
-<file path=ppt/slides/slide16.xml><?xml version="1.0" encoding="utf-8"?>
-<p:sld xmlns:a="http://schemas.openxmlformats.org/drawingml/2006/main" xmlns:r="http://schemas.openxmlformats.org/officeDocument/2006/relationships" xmlns:p="http://schemas.openxmlformats.org/presentationml/2006/main">
-  <p:cSld>
-    <p:spTree>
-      <p:nvGrpSpPr>
-        <p:cNvPr id="1" name=""/>
-        <p:cNvGrpSpPr/>
-        <p:nvPr/>
-      </p:nvGrpSpPr>
-      <p:grpSpPr>
-        <a:xfrm>
-          <a:off x="0" y="0"/>
-          <a:ext cx="0" cy="0"/>
-          <a:chOff x="0" y="0"/>
-          <a:chExt cx="0" cy="0"/>
-        </a:xfrm>
-      </p:grpSpPr>
-      <p:sp>
-        <p:nvSpPr>
-          <p:cNvPr id="2" name="Title 1"/>
-          <p:cNvSpPr>
-            <a:spLocks noGrp="1"/>
-          </p:cNvSpPr>
-          <p:nvPr>
-            <p:ph type="title"/>
-          </p:nvPr>
-        </p:nvSpPr>
-        <p:spPr/>
-        <p:txBody>
-          <a:bodyPr/>
-          <a:lstStyle/>
-          <a:p>
-            <a:r>
-              <a:rPr lang="en-US" dirty="0" smtClean="0"/>
-              <a:t>Macintosh Metaphors, 1984</a:t>
-            </a:r>
-            <a:endParaRPr lang="en-US" dirty="0"/>
-          </a:p>
-        </p:txBody>
-      </p:sp>
-      <p:sp>
-        <p:nvSpPr>
-          <p:cNvPr id="3" name="Content Placeholder 2"/>
-          <p:cNvSpPr>
-            <a:spLocks noGrp="1"/>
-          </p:cNvSpPr>
-          <p:nvPr>
-            <p:ph idx="1"/>
-          </p:nvPr>
-        </p:nvSpPr>
-        <p:spPr/>
-        <p:txBody>
-          <a:bodyPr/>
-          <a:lstStyle/>
-          <a:p>
-            <a:pPr marL="0" indent="0">
-              <a:buNone/>
-            </a:pPr>
-            <a:r>
-              <a:rPr lang="en-US" dirty="0" smtClean="0">
-                <a:hlinkClick r:id="rId2"/>
-              </a:rPr>
-              <a:t>https://www.youtube.com/watch?v=zIE-5hg7FoA</a:t>
-            </a:r>
-            <a:r>
-              <a:rPr lang="en-US" dirty="0" smtClean="0"/>
-              <a:t> </a:t>
-            </a:r>
-            <a:endParaRPr lang="en-US" dirty="0"/>
-          </a:p>
-        </p:txBody>
-      </p:sp>
-    </p:spTree>
-    <p:extLst>
-      <p:ext uri="{BB962C8B-B14F-4D97-AF65-F5344CB8AC3E}">
-        <p14:creationId xmlns:p14="http://schemas.microsoft.com/office/powerpoint/2010/main" val="1077277659"/>
-      </p:ext>
-    </p:extLst>
-  </p:cSld>
-  <p:clrMapOvr>
-    <a:masterClrMapping/>
-  </p:clrMapOvr>
-  <p:timing>
-    <p:tnLst>
-      <p:par>
-        <p:cTn xmlns:p14="http://schemas.microsoft.com/office/powerpoint/2010/main" id="1" dur="indefinite" restart="never" nodeType="tmRoot"/>
-      </p:par>
-    </p:tnLst>
-  </p:timing>
-</p:sld>
-</file>
-
-<file path=ppt/slides/slide17.xml><?xml version="1.0" encoding="utf-8"?>
-<p:sld xmlns:a="http://schemas.openxmlformats.org/drawingml/2006/main" xmlns:r="http://schemas.openxmlformats.org/officeDocument/2006/relationships" xmlns:p="http://schemas.openxmlformats.org/presentationml/2006/main">
-  <p:cSld>
-    <p:spTree>
-      <p:nvGrpSpPr>
-        <p:cNvPr id="1" name=""/>
-        <p:cNvGrpSpPr/>
-        <p:nvPr/>
-      </p:nvGrpSpPr>
-      <p:grpSpPr>
-        <a:xfrm>
-          <a:off x="0" y="0"/>
-          <a:ext cx="0" cy="0"/>
-          <a:chOff x="0" y="0"/>
-          <a:chExt cx="0" cy="0"/>
-        </a:xfrm>
-      </p:grpSpPr>
-      <p:sp>
-        <p:nvSpPr>
-          <p:cNvPr id="2" name="Title 1"/>
-          <p:cNvSpPr>
-            <a:spLocks noGrp="1"/>
-          </p:cNvSpPr>
-          <p:nvPr>
-            <p:ph type="title"/>
-          </p:nvPr>
-        </p:nvSpPr>
-        <p:spPr/>
-        <p:txBody>
-          <a:bodyPr/>
-          <a:lstStyle/>
-          <a:p>
-            <a:r>
-              <a:rPr lang="en-US" dirty="0" smtClean="0"/>
-              <a:t>1984 Explained</a:t>
-            </a:r>
-            <a:endParaRPr lang="en-US" dirty="0"/>
-          </a:p>
-        </p:txBody>
-      </p:sp>
-      <p:sp>
-        <p:nvSpPr>
-          <p:cNvPr id="3" name="Content Placeholder 2"/>
-          <p:cNvSpPr>
-            <a:spLocks noGrp="1"/>
-          </p:cNvSpPr>
-          <p:nvPr>
-            <p:ph idx="1"/>
-          </p:nvPr>
-        </p:nvSpPr>
-        <p:spPr/>
-        <p:txBody>
-          <a:bodyPr/>
-          <a:lstStyle/>
-          <a:p>
-            <a:r>
-              <a:rPr lang="en-US" dirty="0" smtClean="0">
-                <a:hlinkClick r:id="rId2"/>
-              </a:rPr>
-              <a:t>https://www.youtube.com/watch?v=PsjMmAqmblQ</a:t>
-            </a:r>
-            <a:r>
-              <a:rPr lang="en-US" dirty="0" smtClean="0"/>
-              <a:t> </a:t>
-            </a:r>
-            <a:endParaRPr lang="en-US" dirty="0"/>
-          </a:p>
-        </p:txBody>
-      </p:sp>
-    </p:spTree>
-    <p:extLst>
-      <p:ext uri="{BB962C8B-B14F-4D97-AF65-F5344CB8AC3E}">
-        <p14:creationId xmlns:p14="http://schemas.microsoft.com/office/powerpoint/2010/main" val="1918620536"/>
-      </p:ext>
-    </p:extLst>
-  </p:cSld>
-  <p:clrMapOvr>
-    <a:masterClrMapping/>
-  </p:clrMapOvr>
-  <p:timing>
-    <p:tnLst>
-      <p:par>
-        <p:cTn xmlns:p14="http://schemas.microsoft.com/office/powerpoint/2010/main" id="1" dur="indefinite" restart="never" nodeType="tmRoot"/>
-      </p:par>
-    </p:tnLst>
-  </p:timing>
-</p:sld>
-</file>
-
-<file path=ppt/slides/slide18.xml><?xml version="1.0" encoding="utf-8"?>
-<p:sld xmlns:a="http://schemas.openxmlformats.org/drawingml/2006/main" xmlns:r="http://schemas.openxmlformats.org/officeDocument/2006/relationships" xmlns:p="http://schemas.openxmlformats.org/presentationml/2006/main">
-  <p:cSld>
-    <p:spTree>
-      <p:nvGrpSpPr>
-        <p:cNvPr id="1" name=""/>
-        <p:cNvGrpSpPr/>
-        <p:nvPr/>
-      </p:nvGrpSpPr>
-      <p:grpSpPr>
-        <a:xfrm>
-          <a:off x="0" y="0"/>
-          <a:ext cx="0" cy="0"/>
-          <a:chOff x="0" y="0"/>
-          <a:chExt cx="0" cy="0"/>
-        </a:xfrm>
-      </p:grpSpPr>
-      <p:sp>
-        <p:nvSpPr>
-          <p:cNvPr id="3" name="Content Placeholder 2"/>
-          <p:cNvSpPr>
-            <a:spLocks noGrp="1"/>
-          </p:cNvSpPr>
-          <p:nvPr>
-            <p:ph idx="1"/>
-          </p:nvPr>
-        </p:nvSpPr>
-        <p:spPr>
-          <a:xfrm>
-            <a:off x="457200" y="226774"/>
-            <a:ext cx="8229600" cy="5899390"/>
-          </a:xfrm>
-        </p:spPr>
-        <p:txBody>
-          <a:bodyPr>
-            <a:normAutofit fontScale="92500" lnSpcReduction="20000"/>
-          </a:bodyPr>
-          <a:lstStyle/>
-          <a:p>
-            <a:r>
-              <a:rPr lang="en-US" dirty="0"/>
-              <a:t>Piper does seem to lean too hard into the binary between cultural analyst and cultural critic when discussing a lack of self-reflection that directs work and its conclusion. The most recent trend in cultural criticism has been primarily a refocusing on the individual and particular, but in dialogue with extant research</a:t>
-            </a:r>
-            <a:r>
-              <a:rPr lang="en-US" dirty="0" smtClean="0"/>
-              <a:t>. </a:t>
-            </a:r>
-          </a:p>
-          <a:p>
-            <a:r>
-              <a:rPr lang="en-US" dirty="0"/>
-              <a:t>I ask myself if cultural analytics delivers on the self-reflective as well as Piper states? It appears to point more toward the direction that standardization and accessibility to method creates easier engagement rather than preventative frameworks for generalization and self-reflection. </a:t>
-            </a:r>
-            <a:endParaRPr lang="en-US" dirty="0" smtClean="0"/>
-          </a:p>
-          <a:p>
-            <a:r>
-              <a:rPr lang="en-US" dirty="0" smtClean="0"/>
-              <a:t>Joshua </a:t>
-            </a:r>
-            <a:r>
-              <a:rPr lang="en-US" dirty="0" err="1" smtClean="0"/>
-              <a:t>Baco</a:t>
-            </a:r>
-            <a:endParaRPr lang="en-US" dirty="0"/>
-          </a:p>
-        </p:txBody>
-      </p:sp>
-    </p:spTree>
-    <p:extLst>
-      <p:ext uri="{BB962C8B-B14F-4D97-AF65-F5344CB8AC3E}">
-        <p14:creationId xmlns:p14="http://schemas.microsoft.com/office/powerpoint/2010/main" val="885752592"/>
-      </p:ext>
-    </p:extLst>
-  </p:cSld>
-  <p:clrMapOvr>
-    <a:masterClrMapping/>
-  </p:clrMapOvr>
-  <p:timing>
-    <p:tnLst>
-      <p:par>
-        <p:cTn xmlns:p14="http://schemas.microsoft.com/office/powerpoint/2010/main" id="1" dur="indefinite" restart="never" nodeType="tmRoot"/>
-      </p:par>
-    </p:tnLst>
-  </p:timing>
-</p:sld>
-</file>
-
-<file path=ppt/slides/slide19.xml><?xml version="1.0" encoding="utf-8"?>
-<p:sld xmlns:a="http://schemas.openxmlformats.org/drawingml/2006/main" xmlns:r="http://schemas.openxmlformats.org/officeDocument/2006/relationships" xmlns:p="http://schemas.openxmlformats.org/presentationml/2006/main">
-  <p:cSld>
-    <p:spTree>
-      <p:nvGrpSpPr>
-        <p:cNvPr id="1" name=""/>
-        <p:cNvGrpSpPr/>
-        <p:nvPr/>
-      </p:nvGrpSpPr>
-      <p:grpSpPr>
-        <a:xfrm>
-          <a:off x="0" y="0"/>
-          <a:ext cx="0" cy="0"/>
-          <a:chOff x="0" y="0"/>
-          <a:chExt cx="0" cy="0"/>
-        </a:xfrm>
-      </p:grpSpPr>
-      <p:sp>
-        <p:nvSpPr>
-          <p:cNvPr id="3" name="Content Placeholder 2"/>
-          <p:cNvSpPr>
-            <a:spLocks noGrp="1"/>
-          </p:cNvSpPr>
-          <p:nvPr>
-            <p:ph idx="1"/>
-          </p:nvPr>
-        </p:nvSpPr>
-        <p:spPr>
-          <a:xfrm>
-            <a:off x="457200" y="559374"/>
-            <a:ext cx="8229600" cy="5566789"/>
-          </a:xfrm>
-        </p:spPr>
-        <p:txBody>
-          <a:bodyPr>
-            <a:normAutofit fontScale="70000" lnSpcReduction="20000"/>
-          </a:bodyPr>
-          <a:lstStyle/>
-          <a:p>
-            <a:r>
-              <a:rPr lang="en-US" dirty="0"/>
-              <a:t> Can data science accommodate broad critiques of Western knowledge? </a:t>
-            </a:r>
-            <a:endParaRPr lang="en-US" dirty="0" smtClean="0"/>
-          </a:p>
-          <a:p>
-            <a:r>
-              <a:rPr lang="en-US" dirty="0" smtClean="0"/>
-              <a:t>Andrew </a:t>
-            </a:r>
-            <a:r>
-              <a:rPr lang="en-US" dirty="0" err="1" smtClean="0"/>
-              <a:t>Akhlaghi</a:t>
-            </a:r>
-            <a:endParaRPr lang="en-US" dirty="0" smtClean="0"/>
-          </a:p>
-          <a:p>
-            <a:r>
-              <a:rPr lang="en-US" dirty="0"/>
-              <a:t>How then can the humanities/social sciences and computer sciences develop new ontologies that represent the world in a productive way and also recognize the need for reflexivity? </a:t>
-            </a:r>
-            <a:br>
-              <a:rPr lang="en-US" dirty="0"/>
-            </a:br>
-            <a:r>
-              <a:rPr lang="en-US" dirty="0"/>
-              <a:t>Paul </a:t>
-            </a:r>
-            <a:r>
-              <a:rPr lang="en-US" dirty="0" smtClean="0"/>
-              <a:t>Flynn </a:t>
-            </a:r>
-          </a:p>
-          <a:p>
-            <a:r>
-              <a:rPr lang="en-US" dirty="0"/>
-              <a:t>These types of misogynist metaphors I find incredibly pervasive among tech writers (see Ian </a:t>
-            </a:r>
-            <a:r>
-              <a:rPr lang="en-US" dirty="0" err="1"/>
-              <a:t>Bogost’s</a:t>
-            </a:r>
-            <a:r>
-              <a:rPr lang="en-US" dirty="0"/>
-              <a:t> The Geek’s Chihuahua, which I read several years ago but still remember as being a particularly severe offender), and they are assuredly 1) gatekeeping women from computation and 2) reflexively dictating what computation looks like. Emily </a:t>
-            </a:r>
-            <a:r>
-              <a:rPr lang="en-US" dirty="0" smtClean="0"/>
-              <a:t>Higgs</a:t>
-            </a:r>
-          </a:p>
-          <a:p>
-            <a:r>
-              <a:rPr lang="en-US" dirty="0"/>
-              <a:t>I'd like to step back from this question to ask a broader (read: less focused) one about the kinds of metaphors we use to discuss computers in general something like: why do the metaphors we use to think through computers matter? Or, perhaps more precisely, how do these metaphors matter</a:t>
-            </a:r>
-            <a:r>
-              <a:rPr lang="en-US" dirty="0" smtClean="0"/>
-              <a:t>?</a:t>
-            </a:r>
-          </a:p>
-          <a:p>
-            <a:endParaRPr lang="en-US" dirty="0"/>
-          </a:p>
-        </p:txBody>
-      </p:sp>
-    </p:spTree>
-    <p:extLst>
-      <p:ext uri="{BB962C8B-B14F-4D97-AF65-F5344CB8AC3E}">
-        <p14:creationId xmlns:p14="http://schemas.microsoft.com/office/powerpoint/2010/main" val="980244285"/>
-      </p:ext>
-    </p:extLst>
-  </p:cSld>
-  <p:clrMapOvr>
-    <a:masterClrMapping/>
-  </p:clrMapOvr>
-  <p:timing>
-    <p:tnLst>
-      <p:par>
-        <p:cTn xmlns:p14="http://schemas.microsoft.com/office/powerpoint/2010/main" id="1" dur="indefinite" restart="never" nodeType="tmRoot"/>
+        <p:cTn id="1" dur="indefinite" restart="never" nodeType="tmRoot"/>
       </p:par>
     </p:tnLst>
   </p:timing>
@@ -5342,7 +4946,7 @@
   <p:timing>
     <p:tnLst>
       <p:par>
-        <p:cTn xmlns:p14="http://schemas.microsoft.com/office/powerpoint/2010/main" id="1" dur="indefinite" restart="never" nodeType="tmRoot">
+        <p:cTn id="1" dur="indefinite" restart="never" nodeType="tmRoot">
           <p:childTnLst>
             <p:seq concurrent="1" nextAc="seek">
               <p:cTn id="2" dur="indefinite" nodeType="mainSeq">
@@ -5639,7 +5243,7 @@
   <p:timing>
     <p:tnLst>
       <p:par>
-        <p:cTn xmlns:p14="http://schemas.microsoft.com/office/powerpoint/2010/main" id="1" dur="indefinite" restart="never" nodeType="tmRoot">
+        <p:cTn id="1" dur="indefinite" restart="never" nodeType="tmRoot">
           <p:childTnLst>
             <p:seq concurrent="1" nextAc="seek">
               <p:cTn id="2" dur="indefinite" nodeType="mainSeq">
@@ -5957,7 +5561,7 @@
   <p:timing>
     <p:tnLst>
       <p:par>
-        <p:cTn xmlns:p14="http://schemas.microsoft.com/office/powerpoint/2010/main" id="1" dur="indefinite" restart="never" nodeType="tmRoot">
+        <p:cTn id="1" dur="indefinite" restart="never" nodeType="tmRoot">
           <p:childTnLst>
             <p:seq concurrent="1" nextAc="seek">
               <p:cTn id="2" dur="indefinite" nodeType="mainSeq">
@@ -6306,11 +5910,7 @@
           <a:p>
             <a:r>
               <a:rPr lang="en-US" dirty="0" smtClean="0"/>
-              <a:t>A</a:t>
-            </a:r>
-            <a:r>
-              <a:rPr lang="en-US" dirty="0" smtClean="0"/>
-              <a:t>llows for greater critical engagement with the ways in which computation structures meaning</a:t>
+              <a:t>Allows for greater critical engagement with the ways in which computation structures meaning</a:t>
             </a:r>
           </a:p>
           <a:p>
@@ -6366,7 +5966,7 @@
   <p:timing>
     <p:tnLst>
       <p:par>
-        <p:cTn xmlns:p14="http://schemas.microsoft.com/office/powerpoint/2010/main" id="1" dur="indefinite" restart="never" nodeType="tmRoot">
+        <p:cTn id="1" dur="indefinite" restart="never" nodeType="tmRoot">
           <p:childTnLst>
             <p:seq concurrent="1" nextAc="seek">
               <p:cTn id="2" dur="indefinite" nodeType="mainSeq">
@@ -6738,7 +6338,7 @@
   <p:timing>
     <p:tnLst>
       <p:par>
-        <p:cTn xmlns:p14="http://schemas.microsoft.com/office/powerpoint/2010/main" id="1" dur="indefinite" restart="never" nodeType="tmRoot">
+        <p:cTn id="1" dur="indefinite" restart="never" nodeType="tmRoot">
           <p:childTnLst>
             <p:seq concurrent="1" nextAc="seek">
               <p:cTn id="2" dur="indefinite" nodeType="mainSeq">
@@ -7124,7 +6724,7 @@
   <p:timing>
     <p:tnLst>
       <p:par>
-        <p:cTn xmlns:p14="http://schemas.microsoft.com/office/powerpoint/2010/main" id="1" dur="indefinite" restart="never" nodeType="tmRoot">
+        <p:cTn id="1" dur="indefinite" restart="never" nodeType="tmRoot">
           <p:childTnLst>
             <p:seq concurrent="1" nextAc="seek">
               <p:cTn id="2" dur="indefinite" nodeType="mainSeq">
@@ -7589,7 +7189,7 @@
   <p:timing>
     <p:tnLst>
       <p:par>
-        <p:cTn xmlns:p14="http://schemas.microsoft.com/office/powerpoint/2010/main" id="1" dur="indefinite" restart="never" nodeType="tmRoot">
+        <p:cTn id="1" dur="indefinite" restart="never" nodeType="tmRoot">
           <p:childTnLst>
             <p:seq concurrent="1" nextAc="seek">
               <p:cTn id="2" dur="indefinite" nodeType="mainSeq">
@@ -7958,7 +7558,7 @@
   <p:timing>
     <p:tnLst>
       <p:par>
-        <p:cTn xmlns:p14="http://schemas.microsoft.com/office/powerpoint/2010/main" id="1" dur="indefinite" restart="never" nodeType="tmRoot">
+        <p:cTn id="1" dur="indefinite" restart="never" nodeType="tmRoot">
           <p:childTnLst>
             <p:seq concurrent="1" nextAc="seek">
               <p:cTn id="2" dur="indefinite" nodeType="mainSeq">

--- a/Week2_PCDA2018.pptx
+++ b/Week2_PCDA2018.pptx
@@ -5,24 +5,25 @@
     <p:sldMasterId id="2147483648" r:id="rId1"/>
   </p:sldMasterIdLst>
   <p:notesMasterIdLst>
-    <p:notesMasterId r:id="rId17"/>
+    <p:notesMasterId r:id="rId18"/>
   </p:notesMasterIdLst>
   <p:sldIdLst>
     <p:sldId id="256" r:id="rId2"/>
     <p:sldId id="257" r:id="rId3"/>
-    <p:sldId id="261" r:id="rId4"/>
-    <p:sldId id="258" r:id="rId5"/>
-    <p:sldId id="262" r:id="rId6"/>
-    <p:sldId id="263" r:id="rId7"/>
-    <p:sldId id="264" r:id="rId8"/>
-    <p:sldId id="265" r:id="rId9"/>
-    <p:sldId id="266" r:id="rId10"/>
-    <p:sldId id="267" r:id="rId11"/>
-    <p:sldId id="260" r:id="rId12"/>
-    <p:sldId id="268" r:id="rId13"/>
-    <p:sldId id="271" r:id="rId14"/>
-    <p:sldId id="276" r:id="rId15"/>
-    <p:sldId id="277" r:id="rId16"/>
+    <p:sldId id="278" r:id="rId4"/>
+    <p:sldId id="261" r:id="rId5"/>
+    <p:sldId id="258" r:id="rId6"/>
+    <p:sldId id="262" r:id="rId7"/>
+    <p:sldId id="263" r:id="rId8"/>
+    <p:sldId id="264" r:id="rId9"/>
+    <p:sldId id="265" r:id="rId10"/>
+    <p:sldId id="266" r:id="rId11"/>
+    <p:sldId id="267" r:id="rId12"/>
+    <p:sldId id="260" r:id="rId13"/>
+    <p:sldId id="268" r:id="rId14"/>
+    <p:sldId id="271" r:id="rId15"/>
+    <p:sldId id="276" r:id="rId16"/>
+    <p:sldId id="277" r:id="rId17"/>
   </p:sldIdLst>
   <p:sldSz cx="9144000" cy="6858000" type="screen4x3"/>
   <p:notesSz cx="6858000" cy="9144000"/>
@@ -559,7 +560,7 @@
           <a:p>
             <a:fld id="{9EC882A1-0AAD-5C49-9BB4-1F03B69E99EC}" type="slidenum">
               <a:rPr lang="en-US" smtClean="0"/>
-              <a:t>13</a:t>
+              <a:t>14</a:t>
             </a:fld>
             <a:endParaRPr lang="en-US"/>
           </a:p>
@@ -3692,6 +3693,326 @@
         </p:nvSpPr>
         <p:spPr/>
         <p:txBody>
+          <a:bodyPr>
+            <a:normAutofit lnSpcReduction="10000"/>
+          </a:bodyPr>
+          <a:lstStyle/>
+          <a:p>
+            <a:pPr marL="0" indent="0">
+              <a:buNone/>
+            </a:pPr>
+            <a:r>
+              <a:rPr lang="en-US" dirty="0" smtClean="0"/>
+              <a:t>Self-reflexivity -&gt; a New </a:t>
+            </a:r>
+            <a:r>
+              <a:rPr lang="en-US" dirty="0" err="1" smtClean="0"/>
+              <a:t>Recursivity</a:t>
+            </a:r>
+            <a:endParaRPr lang="en-US" dirty="0" smtClean="0"/>
+          </a:p>
+          <a:p>
+            <a:r>
+              <a:rPr lang="en-US" dirty="0" smtClean="0"/>
+              <a:t>Marks out more clearly the contingencies of knowledge, circumscribes the space of knowledge</a:t>
+            </a:r>
+          </a:p>
+          <a:p>
+            <a:r>
+              <a:rPr lang="en-US" dirty="0" smtClean="0"/>
+              <a:t>Considering methods as models leads us to arguments that reflect the contingencies of representativeness</a:t>
+            </a:r>
+          </a:p>
+          <a:p>
+            <a:r>
+              <a:rPr lang="en-US" dirty="0" smtClean="0"/>
+              <a:t>Part of the process through which culture is generated</a:t>
+            </a:r>
+          </a:p>
+          <a:p>
+            <a:pPr marL="0" indent="0">
+              <a:buNone/>
+            </a:pPr>
+            <a:endParaRPr lang="en-US" dirty="0" smtClean="0"/>
+          </a:p>
+        </p:txBody>
+      </p:sp>
+      <p:sp>
+        <p:nvSpPr>
+          <p:cNvPr id="4" name="TextBox 3"/>
+          <p:cNvSpPr txBox="1"/>
+          <p:nvPr/>
+        </p:nvSpPr>
+        <p:spPr>
+          <a:xfrm>
+            <a:off x="201903" y="6179605"/>
+            <a:ext cx="8942097" cy="369332"/>
+          </a:xfrm>
+          <a:prstGeom prst="rect">
+            <a:avLst/>
+          </a:prstGeom>
+          <a:noFill/>
+        </p:spPr>
+        <p:txBody>
+          <a:bodyPr wrap="none" rtlCol="0">
+            <a:spAutoFit/>
+          </a:bodyPr>
+          <a:lstStyle/>
+          <a:p>
+            <a:r>
+              <a:rPr lang="en-US" dirty="0"/>
+              <a:t>Piper, Andrew. “There will be Numbers.” Journal of Cultural Analytics 1, no. 1 (May 23, 2016). </a:t>
+            </a:r>
+          </a:p>
+        </p:txBody>
+      </p:sp>
+    </p:spTree>
+    <p:extLst>
+      <p:ext uri="{BB962C8B-B14F-4D97-AF65-F5344CB8AC3E}">
+        <p14:creationId xmlns:p14="http://schemas.microsoft.com/office/powerpoint/2010/main" val="5740405"/>
+      </p:ext>
+    </p:extLst>
+  </p:cSld>
+  <p:clrMapOvr>
+    <a:masterClrMapping/>
+  </p:clrMapOvr>
+  <p:timing>
+    <p:tnLst>
+      <p:par>
+        <p:cTn id="1" dur="indefinite" restart="never" nodeType="tmRoot">
+          <p:childTnLst>
+            <p:seq concurrent="1" nextAc="seek">
+              <p:cTn id="2" dur="indefinite" nodeType="mainSeq">
+                <p:childTnLst>
+                  <p:par>
+                    <p:cTn id="3" fill="hold">
+                      <p:stCondLst>
+                        <p:cond delay="indefinite"/>
+                      </p:stCondLst>
+                      <p:childTnLst>
+                        <p:par>
+                          <p:cTn id="4" fill="hold">
+                            <p:stCondLst>
+                              <p:cond delay="0"/>
+                            </p:stCondLst>
+                            <p:childTnLst>
+                              <p:par>
+                                <p:cTn id="5" presetID="1" presetClass="entr" presetSubtype="0" fill="hold" grpId="0" nodeType="clickEffect">
+                                  <p:stCondLst>
+                                    <p:cond delay="0"/>
+                                  </p:stCondLst>
+                                  <p:childTnLst>
+                                    <p:set>
+                                      <p:cBhvr>
+                                        <p:cTn id="6" dur="1" fill="hold">
+                                          <p:stCondLst>
+                                            <p:cond delay="0"/>
+                                          </p:stCondLst>
+                                        </p:cTn>
+                                        <p:tgtEl>
+                                          <p:spTgt spid="3">
+                                            <p:txEl>
+                                              <p:pRg st="1" end="1"/>
+                                            </p:txEl>
+                                          </p:spTgt>
+                                        </p:tgtEl>
+                                        <p:attrNameLst>
+                                          <p:attrName>style.visibility</p:attrName>
+                                        </p:attrNameLst>
+                                      </p:cBhvr>
+                                      <p:to>
+                                        <p:strVal val="visible"/>
+                                      </p:to>
+                                    </p:set>
+                                  </p:childTnLst>
+                                </p:cTn>
+                              </p:par>
+                            </p:childTnLst>
+                          </p:cTn>
+                        </p:par>
+                      </p:childTnLst>
+                    </p:cTn>
+                  </p:par>
+                  <p:par>
+                    <p:cTn id="7" fill="hold">
+                      <p:stCondLst>
+                        <p:cond delay="indefinite"/>
+                      </p:stCondLst>
+                      <p:childTnLst>
+                        <p:par>
+                          <p:cTn id="8" fill="hold">
+                            <p:stCondLst>
+                              <p:cond delay="0"/>
+                            </p:stCondLst>
+                            <p:childTnLst>
+                              <p:par>
+                                <p:cTn id="9" presetID="1" presetClass="entr" presetSubtype="0" fill="hold" grpId="0" nodeType="clickEffect">
+                                  <p:stCondLst>
+                                    <p:cond delay="0"/>
+                                  </p:stCondLst>
+                                  <p:childTnLst>
+                                    <p:set>
+                                      <p:cBhvr>
+                                        <p:cTn id="10" dur="1" fill="hold">
+                                          <p:stCondLst>
+                                            <p:cond delay="0"/>
+                                          </p:stCondLst>
+                                        </p:cTn>
+                                        <p:tgtEl>
+                                          <p:spTgt spid="3">
+                                            <p:txEl>
+                                              <p:pRg st="2" end="2"/>
+                                            </p:txEl>
+                                          </p:spTgt>
+                                        </p:tgtEl>
+                                        <p:attrNameLst>
+                                          <p:attrName>style.visibility</p:attrName>
+                                        </p:attrNameLst>
+                                      </p:cBhvr>
+                                      <p:to>
+                                        <p:strVal val="visible"/>
+                                      </p:to>
+                                    </p:set>
+                                  </p:childTnLst>
+                                </p:cTn>
+                              </p:par>
+                            </p:childTnLst>
+                          </p:cTn>
+                        </p:par>
+                      </p:childTnLst>
+                    </p:cTn>
+                  </p:par>
+                  <p:par>
+                    <p:cTn id="11" fill="hold">
+                      <p:stCondLst>
+                        <p:cond delay="indefinite"/>
+                      </p:stCondLst>
+                      <p:childTnLst>
+                        <p:par>
+                          <p:cTn id="12" fill="hold">
+                            <p:stCondLst>
+                              <p:cond delay="0"/>
+                            </p:stCondLst>
+                            <p:childTnLst>
+                              <p:par>
+                                <p:cTn id="13" presetID="1" presetClass="entr" presetSubtype="0" fill="hold" grpId="0" nodeType="clickEffect">
+                                  <p:stCondLst>
+                                    <p:cond delay="0"/>
+                                  </p:stCondLst>
+                                  <p:childTnLst>
+                                    <p:set>
+                                      <p:cBhvr>
+                                        <p:cTn id="14" dur="1" fill="hold">
+                                          <p:stCondLst>
+                                            <p:cond delay="0"/>
+                                          </p:stCondLst>
+                                        </p:cTn>
+                                        <p:tgtEl>
+                                          <p:spTgt spid="3">
+                                            <p:txEl>
+                                              <p:pRg st="3" end="3"/>
+                                            </p:txEl>
+                                          </p:spTgt>
+                                        </p:tgtEl>
+                                        <p:attrNameLst>
+                                          <p:attrName>style.visibility</p:attrName>
+                                        </p:attrNameLst>
+                                      </p:cBhvr>
+                                      <p:to>
+                                        <p:strVal val="visible"/>
+                                      </p:to>
+                                    </p:set>
+                                  </p:childTnLst>
+                                </p:cTn>
+                              </p:par>
+                            </p:childTnLst>
+                          </p:cTn>
+                        </p:par>
+                      </p:childTnLst>
+                    </p:cTn>
+                  </p:par>
+                </p:childTnLst>
+              </p:cTn>
+              <p:prevCondLst>
+                <p:cond evt="onPrev" delay="0">
+                  <p:tgtEl>
+                    <p:sldTgt/>
+                  </p:tgtEl>
+                </p:cond>
+              </p:prevCondLst>
+              <p:nextCondLst>
+                <p:cond evt="onNext" delay="0">
+                  <p:tgtEl>
+                    <p:sldTgt/>
+                  </p:tgtEl>
+                </p:cond>
+              </p:nextCondLst>
+            </p:seq>
+          </p:childTnLst>
+        </p:cTn>
+      </p:par>
+    </p:tnLst>
+    <p:bldLst>
+      <p:bldP spid="3" grpId="0" uiExpand="1" build="p"/>
+    </p:bldLst>
+  </p:timing>
+</p:sld>
+</file>
+
+<file path=ppt/slides/slide11.xml><?xml version="1.0" encoding="utf-8"?>
+<p:sld xmlns:a="http://schemas.openxmlformats.org/drawingml/2006/main" xmlns:r="http://schemas.openxmlformats.org/officeDocument/2006/relationships" xmlns:p="http://schemas.openxmlformats.org/presentationml/2006/main">
+  <p:cSld>
+    <p:spTree>
+      <p:nvGrpSpPr>
+        <p:cNvPr id="1" name=""/>
+        <p:cNvGrpSpPr/>
+        <p:nvPr/>
+      </p:nvGrpSpPr>
+      <p:grpSpPr>
+        <a:xfrm>
+          <a:off x="0" y="0"/>
+          <a:ext cx="0" cy="0"/>
+          <a:chOff x="0" y="0"/>
+          <a:chExt cx="0" cy="0"/>
+        </a:xfrm>
+      </p:grpSpPr>
+      <p:sp>
+        <p:nvSpPr>
+          <p:cNvPr id="2" name="Title 1"/>
+          <p:cNvSpPr>
+            <a:spLocks noGrp="1"/>
+          </p:cNvSpPr>
+          <p:nvPr>
+            <p:ph type="title"/>
+          </p:nvPr>
+        </p:nvSpPr>
+        <p:spPr/>
+        <p:txBody>
+          <a:bodyPr>
+            <a:normAutofit fontScale="90000"/>
+          </a:bodyPr>
+          <a:lstStyle/>
+          <a:p>
+            <a:r>
+              <a:rPr lang="en-US" dirty="0" smtClean="0"/>
+              <a:t>Gaps in the study of culture by computation</a:t>
+            </a:r>
+            <a:endParaRPr lang="en-US" dirty="0"/>
+          </a:p>
+        </p:txBody>
+      </p:sp>
+      <p:sp>
+        <p:nvSpPr>
+          <p:cNvPr id="3" name="Content Placeholder 2"/>
+          <p:cNvSpPr>
+            <a:spLocks noGrp="1"/>
+          </p:cNvSpPr>
+          <p:nvPr>
+            <p:ph idx="1"/>
+          </p:nvPr>
+        </p:nvSpPr>
+        <p:spPr/>
+        <p:txBody>
           <a:bodyPr/>
           <a:lstStyle/>
           <a:p>
@@ -3895,7 +4216,7 @@
 </p:sld>
 </file>
 
-<file path=ppt/slides/slide11.xml><?xml version="1.0" encoding="utf-8"?>
+<file path=ppt/slides/slide12.xml><?xml version="1.0" encoding="utf-8"?>
 <p:sld xmlns:a="http://schemas.openxmlformats.org/drawingml/2006/main" xmlns:r="http://schemas.openxmlformats.org/officeDocument/2006/relationships" xmlns:p="http://schemas.openxmlformats.org/presentationml/2006/main">
   <p:cSld>
     <p:spTree>
@@ -4249,7 +4570,7 @@
 </p:sld>
 </file>
 
-<file path=ppt/slides/slide12.xml><?xml version="1.0" encoding="utf-8"?>
+<file path=ppt/slides/slide13.xml><?xml version="1.0" encoding="utf-8"?>
 <p:sld xmlns:a="http://schemas.openxmlformats.org/drawingml/2006/main" xmlns:r="http://schemas.openxmlformats.org/officeDocument/2006/relationships" xmlns:p="http://schemas.openxmlformats.org/presentationml/2006/main">
   <p:cSld>
     <p:spTree>
@@ -4493,7 +4814,7 @@
 </p:sld>
 </file>
 
-<file path=ppt/slides/slide13.xml><?xml version="1.0" encoding="utf-8"?>
+<file path=ppt/slides/slide14.xml><?xml version="1.0" encoding="utf-8"?>
 <p:sld xmlns:a="http://schemas.openxmlformats.org/drawingml/2006/main" xmlns:r="http://schemas.openxmlformats.org/officeDocument/2006/relationships" xmlns:p="http://schemas.openxmlformats.org/presentationml/2006/main">
   <p:cSld>
     <p:spTree>
@@ -4626,7 +4947,7 @@
 </p:sld>
 </file>
 
-<file path=ppt/slides/slide14.xml><?xml version="1.0" encoding="utf-8"?>
+<file path=ppt/slides/slide15.xml><?xml version="1.0" encoding="utf-8"?>
 <p:sld xmlns:a="http://schemas.openxmlformats.org/drawingml/2006/main" xmlns:r="http://schemas.openxmlformats.org/officeDocument/2006/relationships" xmlns:p="http://schemas.openxmlformats.org/presentationml/2006/main">
   <p:cSld>
     <p:spTree>
@@ -4718,7 +5039,7 @@
 </p:sld>
 </file>
 
-<file path=ppt/slides/slide15.xml><?xml version="1.0" encoding="utf-8"?>
+<file path=ppt/slides/slide16.xml><?xml version="1.0" encoding="utf-8"?>
 <p:sld xmlns:a="http://schemas.openxmlformats.org/drawingml/2006/main" xmlns:r="http://schemas.openxmlformats.org/officeDocument/2006/relationships" xmlns:p="http://schemas.openxmlformats.org/presentationml/2006/main">
   <p:cSld>
     <p:spTree>
@@ -4870,6 +5191,117 @@
         <p:spPr/>
         <p:txBody>
           <a:bodyPr>
+            <a:normAutofit/>
+          </a:bodyPr>
+          <a:lstStyle/>
+          <a:p>
+            <a:endParaRPr lang="en-US" dirty="0"/>
+          </a:p>
+        </p:txBody>
+      </p:sp>
+      <p:sp>
+        <p:nvSpPr>
+          <p:cNvPr id="4" name="TextBox 3"/>
+          <p:cNvSpPr txBox="1"/>
+          <p:nvPr/>
+        </p:nvSpPr>
+        <p:spPr>
+          <a:xfrm>
+            <a:off x="201903" y="6179605"/>
+            <a:ext cx="306494" cy="369332"/>
+          </a:xfrm>
+          <a:prstGeom prst="rect">
+            <a:avLst/>
+          </a:prstGeom>
+          <a:noFill/>
+        </p:spPr>
+        <p:txBody>
+          <a:bodyPr wrap="none" rtlCol="0">
+            <a:spAutoFit/>
+          </a:bodyPr>
+          <a:lstStyle/>
+          <a:p>
+            <a:r>
+              <a:rPr lang="en-US" dirty="0"/>
+              <a:t>d</a:t>
+            </a:r>
+            <a:endParaRPr lang="en-US" dirty="0"/>
+          </a:p>
+        </p:txBody>
+      </p:sp>
+    </p:spTree>
+    <p:extLst>
+      <p:ext uri="{BB962C8B-B14F-4D97-AF65-F5344CB8AC3E}">
+        <p14:creationId xmlns:p14="http://schemas.microsoft.com/office/powerpoint/2010/main" val="782489859"/>
+      </p:ext>
+    </p:extLst>
+  </p:cSld>
+  <p:clrMapOvr>
+    <a:masterClrMapping/>
+  </p:clrMapOvr>
+  <p:timing>
+    <p:tnLst>
+      <p:par>
+        <p:cTn id="1" dur="indefinite" restart="never" nodeType="tmRoot"/>
+      </p:par>
+    </p:tnLst>
+  </p:timing>
+</p:sld>
+</file>
+
+<file path=ppt/slides/slide3.xml><?xml version="1.0" encoding="utf-8"?>
+<p:sld xmlns:a="http://schemas.openxmlformats.org/drawingml/2006/main" xmlns:r="http://schemas.openxmlformats.org/officeDocument/2006/relationships" xmlns:p="http://schemas.openxmlformats.org/presentationml/2006/main">
+  <p:cSld>
+    <p:spTree>
+      <p:nvGrpSpPr>
+        <p:cNvPr id="1" name=""/>
+        <p:cNvGrpSpPr/>
+        <p:nvPr/>
+      </p:nvGrpSpPr>
+      <p:grpSpPr>
+        <a:xfrm>
+          <a:off x="0" y="0"/>
+          <a:ext cx="0" cy="0"/>
+          <a:chOff x="0" y="0"/>
+          <a:chExt cx="0" cy="0"/>
+        </a:xfrm>
+      </p:grpSpPr>
+      <p:sp>
+        <p:nvSpPr>
+          <p:cNvPr id="2" name="Title 1"/>
+          <p:cNvSpPr>
+            <a:spLocks noGrp="1"/>
+          </p:cNvSpPr>
+          <p:nvPr>
+            <p:ph type="title"/>
+          </p:nvPr>
+        </p:nvSpPr>
+        <p:spPr/>
+        <p:txBody>
+          <a:bodyPr/>
+          <a:lstStyle/>
+          <a:p>
+            <a:r>
+              <a:rPr lang="en-US" dirty="0" smtClean="0"/>
+              <a:t>What is Cultural Analytics</a:t>
+            </a:r>
+            <a:endParaRPr lang="en-US" dirty="0"/>
+          </a:p>
+        </p:txBody>
+      </p:sp>
+      <p:sp>
+        <p:nvSpPr>
+          <p:cNvPr id="3" name="Content Placeholder 2"/>
+          <p:cNvSpPr>
+            <a:spLocks noGrp="1"/>
+          </p:cNvSpPr>
+          <p:nvPr>
+            <p:ph idx="1"/>
+          </p:nvPr>
+        </p:nvSpPr>
+        <p:spPr/>
+        <p:txBody>
+          <a:bodyPr>
             <a:normAutofit lnSpcReduction="10000"/>
           </a:bodyPr>
           <a:lstStyle/>
@@ -4936,7 +5368,7 @@
     </p:spTree>
     <p:extLst>
       <p:ext uri="{BB962C8B-B14F-4D97-AF65-F5344CB8AC3E}">
-        <p14:creationId xmlns:p14="http://schemas.microsoft.com/office/powerpoint/2010/main" val="782489859"/>
+        <p14:creationId xmlns:p14="http://schemas.microsoft.com/office/powerpoint/2010/main" val="531929634"/>
       </p:ext>
     </p:extLst>
   </p:cSld>
@@ -5126,7 +5558,7 @@
 </p:sld>
 </file>
 
-<file path=ppt/slides/slide3.xml><?xml version="1.0" encoding="utf-8"?>
+<file path=ppt/slides/slide4.xml><?xml version="1.0" encoding="utf-8"?>
 <p:sld xmlns:a="http://schemas.openxmlformats.org/drawingml/2006/main" xmlns:r="http://schemas.openxmlformats.org/officeDocument/2006/relationships" xmlns:p="http://schemas.openxmlformats.org/presentationml/2006/main">
   <p:cSld>
     <p:spTree>
@@ -5423,7 +5855,7 @@
 </p:sld>
 </file>
 
-<file path=ppt/slides/slide4.xml><?xml version="1.0" encoding="utf-8"?>
+<file path=ppt/slides/slide5.xml><?xml version="1.0" encoding="utf-8"?>
 <p:sld xmlns:a="http://schemas.openxmlformats.org/drawingml/2006/main" xmlns:r="http://schemas.openxmlformats.org/officeDocument/2006/relationships" xmlns:p="http://schemas.openxmlformats.org/presentationml/2006/main">
   <p:cSld>
     <p:spTree>
@@ -5839,7 +6271,7 @@
 </p:sld>
 </file>
 
-<file path=ppt/slides/slide5.xml><?xml version="1.0" encoding="utf-8"?>
+<file path=ppt/slides/slide6.xml><?xml version="1.0" encoding="utf-8"?>
 <p:sld xmlns:a="http://schemas.openxmlformats.org/drawingml/2006/main" xmlns:r="http://schemas.openxmlformats.org/officeDocument/2006/relationships" xmlns:p="http://schemas.openxmlformats.org/presentationml/2006/main">
   <p:cSld>
     <p:spTree>
@@ -6192,7 +6624,7 @@
 </p:sld>
 </file>
 
-<file path=ppt/slides/slide6.xml><?xml version="1.0" encoding="utf-8"?>
+<file path=ppt/slides/slide7.xml><?xml version="1.0" encoding="utf-8"?>
 <p:sld xmlns:a="http://schemas.openxmlformats.org/drawingml/2006/main" xmlns:r="http://schemas.openxmlformats.org/officeDocument/2006/relationships" xmlns:p="http://schemas.openxmlformats.org/presentationml/2006/main">
   <p:cSld>
     <p:spTree>
@@ -6567,7 +6999,7 @@
 </p:sld>
 </file>
 
-<file path=ppt/slides/slide7.xml><?xml version="1.0" encoding="utf-8"?>
+<file path=ppt/slides/slide8.xml><?xml version="1.0" encoding="utf-8"?>
 <p:sld xmlns:a="http://schemas.openxmlformats.org/drawingml/2006/main" xmlns:r="http://schemas.openxmlformats.org/officeDocument/2006/relationships" xmlns:p="http://schemas.openxmlformats.org/presentationml/2006/main">
   <p:cSld>
     <p:spTree>
@@ -7051,7 +7483,7 @@
 </p:sld>
 </file>
 
-<file path=ppt/slides/slide8.xml><?xml version="1.0" encoding="utf-8"?>
+<file path=ppt/slides/slide9.xml><?xml version="1.0" encoding="utf-8"?>
 <p:sld xmlns:a="http://schemas.openxmlformats.org/drawingml/2006/main" xmlns:r="http://schemas.openxmlformats.org/officeDocument/2006/relationships" xmlns:p="http://schemas.openxmlformats.org/presentationml/2006/main">
   <p:cSld>
     <p:spTree>
@@ -7370,326 +7802,6 @@
                                           <p:spTgt spid="3">
                                             <p:txEl>
                                               <p:pRg st="4" end="4"/>
-                                            </p:txEl>
-                                          </p:spTgt>
-                                        </p:tgtEl>
-                                        <p:attrNameLst>
-                                          <p:attrName>style.visibility</p:attrName>
-                                        </p:attrNameLst>
-                                      </p:cBhvr>
-                                      <p:to>
-                                        <p:strVal val="visible"/>
-                                      </p:to>
-                                    </p:set>
-                                  </p:childTnLst>
-                                </p:cTn>
-                              </p:par>
-                            </p:childTnLst>
-                          </p:cTn>
-                        </p:par>
-                      </p:childTnLst>
-                    </p:cTn>
-                  </p:par>
-                </p:childTnLst>
-              </p:cTn>
-              <p:prevCondLst>
-                <p:cond evt="onPrev" delay="0">
-                  <p:tgtEl>
-                    <p:sldTgt/>
-                  </p:tgtEl>
-                </p:cond>
-              </p:prevCondLst>
-              <p:nextCondLst>
-                <p:cond evt="onNext" delay="0">
-                  <p:tgtEl>
-                    <p:sldTgt/>
-                  </p:tgtEl>
-                </p:cond>
-              </p:nextCondLst>
-            </p:seq>
-          </p:childTnLst>
-        </p:cTn>
-      </p:par>
-    </p:tnLst>
-    <p:bldLst>
-      <p:bldP spid="3" grpId="0" uiExpand="1" build="p"/>
-    </p:bldLst>
-  </p:timing>
-</p:sld>
-</file>
-
-<file path=ppt/slides/slide9.xml><?xml version="1.0" encoding="utf-8"?>
-<p:sld xmlns:a="http://schemas.openxmlformats.org/drawingml/2006/main" xmlns:r="http://schemas.openxmlformats.org/officeDocument/2006/relationships" xmlns:p="http://schemas.openxmlformats.org/presentationml/2006/main">
-  <p:cSld>
-    <p:spTree>
-      <p:nvGrpSpPr>
-        <p:cNvPr id="1" name=""/>
-        <p:cNvGrpSpPr/>
-        <p:nvPr/>
-      </p:nvGrpSpPr>
-      <p:grpSpPr>
-        <a:xfrm>
-          <a:off x="0" y="0"/>
-          <a:ext cx="0" cy="0"/>
-          <a:chOff x="0" y="0"/>
-          <a:chExt cx="0" cy="0"/>
-        </a:xfrm>
-      </p:grpSpPr>
-      <p:sp>
-        <p:nvSpPr>
-          <p:cNvPr id="2" name="Title 1"/>
-          <p:cNvSpPr>
-            <a:spLocks noGrp="1"/>
-          </p:cNvSpPr>
-          <p:nvPr>
-            <p:ph type="title"/>
-          </p:nvPr>
-        </p:nvSpPr>
-        <p:spPr/>
-        <p:txBody>
-          <a:bodyPr>
-            <a:normAutofit fontScale="90000"/>
-          </a:bodyPr>
-          <a:lstStyle/>
-          <a:p>
-            <a:r>
-              <a:rPr lang="en-US" dirty="0" smtClean="0"/>
-              <a:t>Gaps in the study of culture by computation</a:t>
-            </a:r>
-            <a:endParaRPr lang="en-US" dirty="0"/>
-          </a:p>
-        </p:txBody>
-      </p:sp>
-      <p:sp>
-        <p:nvSpPr>
-          <p:cNvPr id="3" name="Content Placeholder 2"/>
-          <p:cNvSpPr>
-            <a:spLocks noGrp="1"/>
-          </p:cNvSpPr>
-          <p:nvPr>
-            <p:ph idx="1"/>
-          </p:nvPr>
-        </p:nvSpPr>
-        <p:spPr/>
-        <p:txBody>
-          <a:bodyPr>
-            <a:normAutofit lnSpcReduction="10000"/>
-          </a:bodyPr>
-          <a:lstStyle/>
-          <a:p>
-            <a:pPr marL="0" indent="0">
-              <a:buNone/>
-            </a:pPr>
-            <a:r>
-              <a:rPr lang="en-US" dirty="0" smtClean="0"/>
-              <a:t>Self-reflexivity -&gt; a New </a:t>
-            </a:r>
-            <a:r>
-              <a:rPr lang="en-US" dirty="0" err="1" smtClean="0"/>
-              <a:t>Recursivity</a:t>
-            </a:r>
-            <a:endParaRPr lang="en-US" dirty="0" smtClean="0"/>
-          </a:p>
-          <a:p>
-            <a:r>
-              <a:rPr lang="en-US" dirty="0" smtClean="0"/>
-              <a:t>Marks out more clearly the contingencies of knowledge, circumscribes the space of knowledge</a:t>
-            </a:r>
-          </a:p>
-          <a:p>
-            <a:r>
-              <a:rPr lang="en-US" dirty="0" smtClean="0"/>
-              <a:t>Considering methods as models leads us to arguments that reflect the contingencies of representativeness</a:t>
-            </a:r>
-          </a:p>
-          <a:p>
-            <a:r>
-              <a:rPr lang="en-US" dirty="0" smtClean="0"/>
-              <a:t>Part of the process through which culture is generated</a:t>
-            </a:r>
-          </a:p>
-          <a:p>
-            <a:pPr marL="0" indent="0">
-              <a:buNone/>
-            </a:pPr>
-            <a:endParaRPr lang="en-US" dirty="0" smtClean="0"/>
-          </a:p>
-        </p:txBody>
-      </p:sp>
-      <p:sp>
-        <p:nvSpPr>
-          <p:cNvPr id="4" name="TextBox 3"/>
-          <p:cNvSpPr txBox="1"/>
-          <p:nvPr/>
-        </p:nvSpPr>
-        <p:spPr>
-          <a:xfrm>
-            <a:off x="201903" y="6179605"/>
-            <a:ext cx="8942097" cy="369332"/>
-          </a:xfrm>
-          <a:prstGeom prst="rect">
-            <a:avLst/>
-          </a:prstGeom>
-          <a:noFill/>
-        </p:spPr>
-        <p:txBody>
-          <a:bodyPr wrap="none" rtlCol="0">
-            <a:spAutoFit/>
-          </a:bodyPr>
-          <a:lstStyle/>
-          <a:p>
-            <a:r>
-              <a:rPr lang="en-US" dirty="0"/>
-              <a:t>Piper, Andrew. “There will be Numbers.” Journal of Cultural Analytics 1, no. 1 (May 23, 2016). </a:t>
-            </a:r>
-          </a:p>
-        </p:txBody>
-      </p:sp>
-    </p:spTree>
-    <p:extLst>
-      <p:ext uri="{BB962C8B-B14F-4D97-AF65-F5344CB8AC3E}">
-        <p14:creationId xmlns:p14="http://schemas.microsoft.com/office/powerpoint/2010/main" val="5740405"/>
-      </p:ext>
-    </p:extLst>
-  </p:cSld>
-  <p:clrMapOvr>
-    <a:masterClrMapping/>
-  </p:clrMapOvr>
-  <p:timing>
-    <p:tnLst>
-      <p:par>
-        <p:cTn id="1" dur="indefinite" restart="never" nodeType="tmRoot">
-          <p:childTnLst>
-            <p:seq concurrent="1" nextAc="seek">
-              <p:cTn id="2" dur="indefinite" nodeType="mainSeq">
-                <p:childTnLst>
-                  <p:par>
-                    <p:cTn id="3" fill="hold">
-                      <p:stCondLst>
-                        <p:cond delay="indefinite"/>
-                      </p:stCondLst>
-                      <p:childTnLst>
-                        <p:par>
-                          <p:cTn id="4" fill="hold">
-                            <p:stCondLst>
-                              <p:cond delay="0"/>
-                            </p:stCondLst>
-                            <p:childTnLst>
-                              <p:par>
-                                <p:cTn id="5" presetID="1" presetClass="entr" presetSubtype="0" fill="hold" grpId="0" nodeType="clickEffect">
-                                  <p:stCondLst>
-                                    <p:cond delay="0"/>
-                                  </p:stCondLst>
-                                  <p:childTnLst>
-                                    <p:set>
-                                      <p:cBhvr>
-                                        <p:cTn id="6" dur="1" fill="hold">
-                                          <p:stCondLst>
-                                            <p:cond delay="0"/>
-                                          </p:stCondLst>
-                                        </p:cTn>
-                                        <p:tgtEl>
-                                          <p:spTgt spid="3">
-                                            <p:txEl>
-                                              <p:pRg st="1" end="1"/>
-                                            </p:txEl>
-                                          </p:spTgt>
-                                        </p:tgtEl>
-                                        <p:attrNameLst>
-                                          <p:attrName>style.visibility</p:attrName>
-                                        </p:attrNameLst>
-                                      </p:cBhvr>
-                                      <p:to>
-                                        <p:strVal val="visible"/>
-                                      </p:to>
-                                    </p:set>
-                                  </p:childTnLst>
-                                </p:cTn>
-                              </p:par>
-                            </p:childTnLst>
-                          </p:cTn>
-                        </p:par>
-                      </p:childTnLst>
-                    </p:cTn>
-                  </p:par>
-                  <p:par>
-                    <p:cTn id="7" fill="hold">
-                      <p:stCondLst>
-                        <p:cond delay="indefinite"/>
-                      </p:stCondLst>
-                      <p:childTnLst>
-                        <p:par>
-                          <p:cTn id="8" fill="hold">
-                            <p:stCondLst>
-                              <p:cond delay="0"/>
-                            </p:stCondLst>
-                            <p:childTnLst>
-                              <p:par>
-                                <p:cTn id="9" presetID="1" presetClass="entr" presetSubtype="0" fill="hold" grpId="0" nodeType="clickEffect">
-                                  <p:stCondLst>
-                                    <p:cond delay="0"/>
-                                  </p:stCondLst>
-                                  <p:childTnLst>
-                                    <p:set>
-                                      <p:cBhvr>
-                                        <p:cTn id="10" dur="1" fill="hold">
-                                          <p:stCondLst>
-                                            <p:cond delay="0"/>
-                                          </p:stCondLst>
-                                        </p:cTn>
-                                        <p:tgtEl>
-                                          <p:spTgt spid="3">
-                                            <p:txEl>
-                                              <p:pRg st="2" end="2"/>
-                                            </p:txEl>
-                                          </p:spTgt>
-                                        </p:tgtEl>
-                                        <p:attrNameLst>
-                                          <p:attrName>style.visibility</p:attrName>
-                                        </p:attrNameLst>
-                                      </p:cBhvr>
-                                      <p:to>
-                                        <p:strVal val="visible"/>
-                                      </p:to>
-                                    </p:set>
-                                  </p:childTnLst>
-                                </p:cTn>
-                              </p:par>
-                            </p:childTnLst>
-                          </p:cTn>
-                        </p:par>
-                      </p:childTnLst>
-                    </p:cTn>
-                  </p:par>
-                  <p:par>
-                    <p:cTn id="11" fill="hold">
-                      <p:stCondLst>
-                        <p:cond delay="indefinite"/>
-                      </p:stCondLst>
-                      <p:childTnLst>
-                        <p:par>
-                          <p:cTn id="12" fill="hold">
-                            <p:stCondLst>
-                              <p:cond delay="0"/>
-                            </p:stCondLst>
-                            <p:childTnLst>
-                              <p:par>
-                                <p:cTn id="13" presetID="1" presetClass="entr" presetSubtype="0" fill="hold" grpId="0" nodeType="clickEffect">
-                                  <p:stCondLst>
-                                    <p:cond delay="0"/>
-                                  </p:stCondLst>
-                                  <p:childTnLst>
-                                    <p:set>
-                                      <p:cBhvr>
-                                        <p:cTn id="14" dur="1" fill="hold">
-                                          <p:stCondLst>
-                                            <p:cond delay="0"/>
-                                          </p:stCondLst>
-                                        </p:cTn>
-                                        <p:tgtEl>
-                                          <p:spTgt spid="3">
-                                            <p:txEl>
-                                              <p:pRg st="3" end="3"/>
                                             </p:txEl>
                                           </p:spTgt>
                                         </p:tgtEl>
